--- a/study_group/meetup_slide_decks/Foundations_Lesson10b..pptx
+++ b/study_group/meetup_slide_decks/Foundations_Lesson10b..pptx
@@ -6,9 +6,10 @@
   </p:sldMasterIdLst>
   <p:sldIdLst>
     <p:sldId id="256" r:id="rId3"/>
+    <p:sldId id="257" r:id="rId4"/>
   </p:sldIdLst>
   <p:sldSz cx="10080625" cy="5670550"/>
-  <p:notesSz cx="7559675" cy="10691812"/>
+  <p:notesSz cx="7772400" cy="10058400"/>
 </p:presentation>
 </file>
 
@@ -53,7 +54,7 @@
       </p:grpSpPr>
       <p:sp>
         <p:nvSpPr>
-          <p:cNvPr id="27" name="PlaceHolder 1"/>
+          <p:cNvPr id="24" name="PlaceHolder 1"/>
           <p:cNvSpPr>
             <a:spLocks noGrp="1"/>
           </p:cNvSpPr>
@@ -63,8 +64,8 @@
         </p:nvSpPr>
         <p:spPr>
           <a:xfrm>
-            <a:off x="504000" y="216000"/>
-            <a:ext cx="7020000" cy="936000"/>
+            <a:off x="504000" y="210600"/>
+            <a:ext cx="7019640" cy="946800"/>
           </a:xfrm>
           <a:prstGeom prst="rect">
             <a:avLst/>
@@ -75,70 +76,68 @@
             <a:spAutoFit/>
           </a:bodyPr>
           <a:p>
-            <a:endParaRPr b="0" lang="en-US" sz="3570" spc="-1" strike="noStrike">
-              <a:solidFill>
-                <a:srgbClr val="ffffff"/>
-              </a:solidFill>
-              <a:latin typeface="Arial"/>
-            </a:endParaRPr>
-          </a:p>
-        </p:txBody>
-      </p:sp>
-      <p:sp>
-        <p:nvSpPr>
-          <p:cNvPr id="28" name="PlaceHolder 2"/>
-          <p:cNvSpPr>
-            <a:spLocks noGrp="1"/>
-          </p:cNvSpPr>
-          <p:nvPr>
-            <p:ph type="body"/>
-          </p:nvPr>
-        </p:nvSpPr>
-        <p:spPr>
-          <a:xfrm>
-            <a:off x="504000" y="1368000"/>
-            <a:ext cx="9072000" cy="1568160"/>
-          </a:xfrm>
-          <a:prstGeom prst="rect">
-            <a:avLst/>
-          </a:prstGeom>
-        </p:spPr>
-        <p:txBody>
-          <a:bodyPr lIns="0" rIns="0" tIns="0" bIns="0">
-            <a:normAutofit/>
-          </a:bodyPr>
-          <a:p>
-            <a:endParaRPr b="0" lang="en-US" sz="2600" spc="-1" strike="noStrike">
-              <a:latin typeface="Arial"/>
-            </a:endParaRPr>
-          </a:p>
-        </p:txBody>
-      </p:sp>
-      <p:sp>
-        <p:nvSpPr>
-          <p:cNvPr id="29" name="PlaceHolder 3"/>
-          <p:cNvSpPr>
-            <a:spLocks noGrp="1"/>
-          </p:cNvSpPr>
-          <p:nvPr>
-            <p:ph type="body"/>
-          </p:nvPr>
-        </p:nvSpPr>
-        <p:spPr>
-          <a:xfrm>
-            <a:off x="504000" y="3085560"/>
-            <a:ext cx="9072000" cy="1568160"/>
-          </a:xfrm>
-          <a:prstGeom prst="rect">
-            <a:avLst/>
-          </a:prstGeom>
-        </p:spPr>
-        <p:txBody>
-          <a:bodyPr lIns="0" rIns="0" tIns="0" bIns="0">
-            <a:normAutofit/>
-          </a:bodyPr>
-          <a:p>
-            <a:endParaRPr b="0" lang="en-US" sz="2600" spc="-1" strike="noStrike">
+            <a:pPr algn="ctr"/>
+            <a:endParaRPr b="0" lang="en-US" sz="4400" spc="-1" strike="noStrike">
+              <a:latin typeface="Arial"/>
+            </a:endParaRPr>
+          </a:p>
+        </p:txBody>
+      </p:sp>
+      <p:sp>
+        <p:nvSpPr>
+          <p:cNvPr id="25" name="PlaceHolder 2"/>
+          <p:cNvSpPr>
+            <a:spLocks noGrp="1"/>
+          </p:cNvSpPr>
+          <p:nvPr>
+            <p:ph type="body"/>
+          </p:nvPr>
+        </p:nvSpPr>
+        <p:spPr>
+          <a:xfrm>
+            <a:off x="504000" y="1326600"/>
+            <a:ext cx="9072000" cy="1568520"/>
+          </a:xfrm>
+          <a:prstGeom prst="rect">
+            <a:avLst/>
+          </a:prstGeom>
+        </p:spPr>
+        <p:txBody>
+          <a:bodyPr lIns="0" rIns="0" tIns="0" bIns="0">
+            <a:normAutofit/>
+          </a:bodyPr>
+          <a:p>
+            <a:endParaRPr b="0" lang="en-US" sz="3200" spc="-1" strike="noStrike">
+              <a:latin typeface="Arial"/>
+            </a:endParaRPr>
+          </a:p>
+        </p:txBody>
+      </p:sp>
+      <p:sp>
+        <p:nvSpPr>
+          <p:cNvPr id="26" name="PlaceHolder 3"/>
+          <p:cNvSpPr>
+            <a:spLocks noGrp="1"/>
+          </p:cNvSpPr>
+          <p:nvPr>
+            <p:ph type="body"/>
+          </p:nvPr>
+        </p:nvSpPr>
+        <p:spPr>
+          <a:xfrm>
+            <a:off x="504000" y="3044520"/>
+            <a:ext cx="9072000" cy="1568520"/>
+          </a:xfrm>
+          <a:prstGeom prst="rect">
+            <a:avLst/>
+          </a:prstGeom>
+        </p:spPr>
+        <p:txBody>
+          <a:bodyPr lIns="0" rIns="0" tIns="0" bIns="0">
+            <a:normAutofit/>
+          </a:bodyPr>
+          <a:p>
+            <a:endParaRPr b="0" lang="en-US" sz="3200" spc="-1" strike="noStrike">
               <a:latin typeface="Arial"/>
             </a:endParaRPr>
           </a:p>
@@ -168,7 +167,7 @@
       </p:grpSpPr>
       <p:sp>
         <p:nvSpPr>
-          <p:cNvPr id="30" name="PlaceHolder 1"/>
+          <p:cNvPr id="27" name="PlaceHolder 1"/>
           <p:cNvSpPr>
             <a:spLocks noGrp="1"/>
           </p:cNvSpPr>
@@ -178,8 +177,8 @@
         </p:nvSpPr>
         <p:spPr>
           <a:xfrm>
-            <a:off x="504000" y="216000"/>
-            <a:ext cx="7020000" cy="936000"/>
+            <a:off x="504000" y="210600"/>
+            <a:ext cx="7019640" cy="946800"/>
           </a:xfrm>
           <a:prstGeom prst="rect">
             <a:avLst/>
@@ -190,130 +189,128 @@
             <a:spAutoFit/>
           </a:bodyPr>
           <a:p>
-            <a:endParaRPr b="0" lang="en-US" sz="3570" spc="-1" strike="noStrike">
-              <a:solidFill>
-                <a:srgbClr val="ffffff"/>
-              </a:solidFill>
-              <a:latin typeface="Arial"/>
-            </a:endParaRPr>
-          </a:p>
-        </p:txBody>
-      </p:sp>
-      <p:sp>
-        <p:nvSpPr>
-          <p:cNvPr id="31" name="PlaceHolder 2"/>
-          <p:cNvSpPr>
-            <a:spLocks noGrp="1"/>
-          </p:cNvSpPr>
-          <p:nvPr>
-            <p:ph type="body"/>
-          </p:nvPr>
-        </p:nvSpPr>
-        <p:spPr>
-          <a:xfrm>
-            <a:off x="504000" y="1368000"/>
-            <a:ext cx="4426920" cy="1568160"/>
-          </a:xfrm>
-          <a:prstGeom prst="rect">
-            <a:avLst/>
-          </a:prstGeom>
-        </p:spPr>
-        <p:txBody>
-          <a:bodyPr lIns="0" rIns="0" tIns="0" bIns="0">
-            <a:normAutofit/>
-          </a:bodyPr>
-          <a:p>
-            <a:endParaRPr b="0" lang="en-US" sz="2600" spc="-1" strike="noStrike">
-              <a:latin typeface="Arial"/>
-            </a:endParaRPr>
-          </a:p>
-        </p:txBody>
-      </p:sp>
-      <p:sp>
-        <p:nvSpPr>
-          <p:cNvPr id="32" name="PlaceHolder 3"/>
-          <p:cNvSpPr>
-            <a:spLocks noGrp="1"/>
-          </p:cNvSpPr>
-          <p:nvPr>
-            <p:ph type="body"/>
-          </p:nvPr>
-        </p:nvSpPr>
-        <p:spPr>
-          <a:xfrm>
-            <a:off x="5152680" y="1368000"/>
-            <a:ext cx="4426920" cy="1568160"/>
-          </a:xfrm>
-          <a:prstGeom prst="rect">
-            <a:avLst/>
-          </a:prstGeom>
-        </p:spPr>
-        <p:txBody>
-          <a:bodyPr lIns="0" rIns="0" tIns="0" bIns="0">
-            <a:normAutofit/>
-          </a:bodyPr>
-          <a:p>
-            <a:endParaRPr b="0" lang="en-US" sz="2600" spc="-1" strike="noStrike">
-              <a:latin typeface="Arial"/>
-            </a:endParaRPr>
-          </a:p>
-        </p:txBody>
-      </p:sp>
-      <p:sp>
-        <p:nvSpPr>
-          <p:cNvPr id="33" name="PlaceHolder 4"/>
-          <p:cNvSpPr>
-            <a:spLocks noGrp="1"/>
-          </p:cNvSpPr>
-          <p:nvPr>
-            <p:ph type="body"/>
-          </p:nvPr>
-        </p:nvSpPr>
-        <p:spPr>
-          <a:xfrm>
-            <a:off x="504000" y="3085560"/>
-            <a:ext cx="4426920" cy="1568160"/>
-          </a:xfrm>
-          <a:prstGeom prst="rect">
-            <a:avLst/>
-          </a:prstGeom>
-        </p:spPr>
-        <p:txBody>
-          <a:bodyPr lIns="0" rIns="0" tIns="0" bIns="0">
-            <a:normAutofit/>
-          </a:bodyPr>
-          <a:p>
-            <a:endParaRPr b="0" lang="en-US" sz="2600" spc="-1" strike="noStrike">
-              <a:latin typeface="Arial"/>
-            </a:endParaRPr>
-          </a:p>
-        </p:txBody>
-      </p:sp>
-      <p:sp>
-        <p:nvSpPr>
-          <p:cNvPr id="34" name="PlaceHolder 5"/>
-          <p:cNvSpPr>
-            <a:spLocks noGrp="1"/>
-          </p:cNvSpPr>
-          <p:nvPr>
-            <p:ph type="body"/>
-          </p:nvPr>
-        </p:nvSpPr>
-        <p:spPr>
-          <a:xfrm>
-            <a:off x="5152680" y="3085560"/>
-            <a:ext cx="4426920" cy="1568160"/>
-          </a:xfrm>
-          <a:prstGeom prst="rect">
-            <a:avLst/>
-          </a:prstGeom>
-        </p:spPr>
-        <p:txBody>
-          <a:bodyPr lIns="0" rIns="0" tIns="0" bIns="0">
-            <a:normAutofit/>
-          </a:bodyPr>
-          <a:p>
-            <a:endParaRPr b="0" lang="en-US" sz="2600" spc="-1" strike="noStrike">
+            <a:pPr algn="ctr"/>
+            <a:endParaRPr b="0" lang="en-US" sz="4400" spc="-1" strike="noStrike">
+              <a:latin typeface="Arial"/>
+            </a:endParaRPr>
+          </a:p>
+        </p:txBody>
+      </p:sp>
+      <p:sp>
+        <p:nvSpPr>
+          <p:cNvPr id="28" name="PlaceHolder 2"/>
+          <p:cNvSpPr>
+            <a:spLocks noGrp="1"/>
+          </p:cNvSpPr>
+          <p:nvPr>
+            <p:ph type="body"/>
+          </p:nvPr>
+        </p:nvSpPr>
+        <p:spPr>
+          <a:xfrm>
+            <a:off x="504000" y="1326600"/>
+            <a:ext cx="4426920" cy="1568520"/>
+          </a:xfrm>
+          <a:prstGeom prst="rect">
+            <a:avLst/>
+          </a:prstGeom>
+        </p:spPr>
+        <p:txBody>
+          <a:bodyPr lIns="0" rIns="0" tIns="0" bIns="0">
+            <a:normAutofit/>
+          </a:bodyPr>
+          <a:p>
+            <a:endParaRPr b="0" lang="en-US" sz="3200" spc="-1" strike="noStrike">
+              <a:latin typeface="Arial"/>
+            </a:endParaRPr>
+          </a:p>
+        </p:txBody>
+      </p:sp>
+      <p:sp>
+        <p:nvSpPr>
+          <p:cNvPr id="29" name="PlaceHolder 3"/>
+          <p:cNvSpPr>
+            <a:spLocks noGrp="1"/>
+          </p:cNvSpPr>
+          <p:nvPr>
+            <p:ph type="body"/>
+          </p:nvPr>
+        </p:nvSpPr>
+        <p:spPr>
+          <a:xfrm>
+            <a:off x="5152680" y="1326600"/>
+            <a:ext cx="4426920" cy="1568520"/>
+          </a:xfrm>
+          <a:prstGeom prst="rect">
+            <a:avLst/>
+          </a:prstGeom>
+        </p:spPr>
+        <p:txBody>
+          <a:bodyPr lIns="0" rIns="0" tIns="0" bIns="0">
+            <a:normAutofit/>
+          </a:bodyPr>
+          <a:p>
+            <a:endParaRPr b="0" lang="en-US" sz="3200" spc="-1" strike="noStrike">
+              <a:latin typeface="Arial"/>
+            </a:endParaRPr>
+          </a:p>
+        </p:txBody>
+      </p:sp>
+      <p:sp>
+        <p:nvSpPr>
+          <p:cNvPr id="30" name="PlaceHolder 4"/>
+          <p:cNvSpPr>
+            <a:spLocks noGrp="1"/>
+          </p:cNvSpPr>
+          <p:nvPr>
+            <p:ph type="body"/>
+          </p:nvPr>
+        </p:nvSpPr>
+        <p:spPr>
+          <a:xfrm>
+            <a:off x="504000" y="3044520"/>
+            <a:ext cx="4426920" cy="1568520"/>
+          </a:xfrm>
+          <a:prstGeom prst="rect">
+            <a:avLst/>
+          </a:prstGeom>
+        </p:spPr>
+        <p:txBody>
+          <a:bodyPr lIns="0" rIns="0" tIns="0" bIns="0">
+            <a:normAutofit/>
+          </a:bodyPr>
+          <a:p>
+            <a:endParaRPr b="0" lang="en-US" sz="3200" spc="-1" strike="noStrike">
+              <a:latin typeface="Arial"/>
+            </a:endParaRPr>
+          </a:p>
+        </p:txBody>
+      </p:sp>
+      <p:sp>
+        <p:nvSpPr>
+          <p:cNvPr id="31" name="PlaceHolder 5"/>
+          <p:cNvSpPr>
+            <a:spLocks noGrp="1"/>
+          </p:cNvSpPr>
+          <p:nvPr>
+            <p:ph type="body"/>
+          </p:nvPr>
+        </p:nvSpPr>
+        <p:spPr>
+          <a:xfrm>
+            <a:off x="5152680" y="3044520"/>
+            <a:ext cx="4426920" cy="1568520"/>
+          </a:xfrm>
+          <a:prstGeom prst="rect">
+            <a:avLst/>
+          </a:prstGeom>
+        </p:spPr>
+        <p:txBody>
+          <a:bodyPr lIns="0" rIns="0" tIns="0" bIns="0">
+            <a:normAutofit/>
+          </a:bodyPr>
+          <a:p>
+            <a:endParaRPr b="0" lang="en-US" sz="3200" spc="-1" strike="noStrike">
               <a:latin typeface="Arial"/>
             </a:endParaRPr>
           </a:p>
@@ -343,7 +340,7 @@
       </p:grpSpPr>
       <p:sp>
         <p:nvSpPr>
-          <p:cNvPr id="35" name="PlaceHolder 1"/>
+          <p:cNvPr id="32" name="PlaceHolder 1"/>
           <p:cNvSpPr>
             <a:spLocks noGrp="1"/>
           </p:cNvSpPr>
@@ -353,8 +350,8 @@
         </p:nvSpPr>
         <p:spPr>
           <a:xfrm>
-            <a:off x="504000" y="216000"/>
-            <a:ext cx="7020000" cy="936000"/>
+            <a:off x="504000" y="210600"/>
+            <a:ext cx="7019640" cy="946800"/>
           </a:xfrm>
           <a:prstGeom prst="rect">
             <a:avLst/>
@@ -365,190 +362,188 @@
             <a:spAutoFit/>
           </a:bodyPr>
           <a:p>
-            <a:endParaRPr b="0" lang="en-US" sz="3570" spc="-1" strike="noStrike">
-              <a:solidFill>
-                <a:srgbClr val="ffffff"/>
-              </a:solidFill>
-              <a:latin typeface="Arial"/>
-            </a:endParaRPr>
-          </a:p>
-        </p:txBody>
-      </p:sp>
-      <p:sp>
-        <p:nvSpPr>
-          <p:cNvPr id="36" name="PlaceHolder 2"/>
-          <p:cNvSpPr>
-            <a:spLocks noGrp="1"/>
-          </p:cNvSpPr>
-          <p:nvPr>
-            <p:ph type="body"/>
-          </p:nvPr>
-        </p:nvSpPr>
-        <p:spPr>
-          <a:xfrm>
-            <a:off x="504000" y="1368000"/>
-            <a:ext cx="2921040" cy="1568160"/>
-          </a:xfrm>
-          <a:prstGeom prst="rect">
-            <a:avLst/>
-          </a:prstGeom>
-        </p:spPr>
-        <p:txBody>
-          <a:bodyPr lIns="0" rIns="0" tIns="0" bIns="0">
-            <a:normAutofit/>
-          </a:bodyPr>
-          <a:p>
-            <a:endParaRPr b="0" lang="en-US" sz="2600" spc="-1" strike="noStrike">
-              <a:latin typeface="Arial"/>
-            </a:endParaRPr>
-          </a:p>
-        </p:txBody>
-      </p:sp>
-      <p:sp>
-        <p:nvSpPr>
-          <p:cNvPr id="37" name="PlaceHolder 3"/>
-          <p:cNvSpPr>
-            <a:spLocks noGrp="1"/>
-          </p:cNvSpPr>
-          <p:nvPr>
-            <p:ph type="body"/>
-          </p:nvPr>
-        </p:nvSpPr>
-        <p:spPr>
-          <a:xfrm>
-            <a:off x="3571560" y="1368000"/>
-            <a:ext cx="2921040" cy="1568160"/>
-          </a:xfrm>
-          <a:prstGeom prst="rect">
-            <a:avLst/>
-          </a:prstGeom>
-        </p:spPr>
-        <p:txBody>
-          <a:bodyPr lIns="0" rIns="0" tIns="0" bIns="0">
-            <a:normAutofit/>
-          </a:bodyPr>
-          <a:p>
-            <a:endParaRPr b="0" lang="en-US" sz="2600" spc="-1" strike="noStrike">
-              <a:latin typeface="Arial"/>
-            </a:endParaRPr>
-          </a:p>
-        </p:txBody>
-      </p:sp>
-      <p:sp>
-        <p:nvSpPr>
-          <p:cNvPr id="38" name="PlaceHolder 4"/>
-          <p:cNvSpPr>
-            <a:spLocks noGrp="1"/>
-          </p:cNvSpPr>
-          <p:nvPr>
-            <p:ph type="body"/>
-          </p:nvPr>
-        </p:nvSpPr>
-        <p:spPr>
-          <a:xfrm>
-            <a:off x="6639120" y="1368000"/>
-            <a:ext cx="2921040" cy="1568160"/>
-          </a:xfrm>
-          <a:prstGeom prst="rect">
-            <a:avLst/>
-          </a:prstGeom>
-        </p:spPr>
-        <p:txBody>
-          <a:bodyPr lIns="0" rIns="0" tIns="0" bIns="0">
-            <a:normAutofit/>
-          </a:bodyPr>
-          <a:p>
-            <a:endParaRPr b="0" lang="en-US" sz="2600" spc="-1" strike="noStrike">
-              <a:latin typeface="Arial"/>
-            </a:endParaRPr>
-          </a:p>
-        </p:txBody>
-      </p:sp>
-      <p:sp>
-        <p:nvSpPr>
-          <p:cNvPr id="39" name="PlaceHolder 5"/>
-          <p:cNvSpPr>
-            <a:spLocks noGrp="1"/>
-          </p:cNvSpPr>
-          <p:nvPr>
-            <p:ph type="body"/>
-          </p:nvPr>
-        </p:nvSpPr>
-        <p:spPr>
-          <a:xfrm>
-            <a:off x="504000" y="3085560"/>
-            <a:ext cx="2921040" cy="1568160"/>
-          </a:xfrm>
-          <a:prstGeom prst="rect">
-            <a:avLst/>
-          </a:prstGeom>
-        </p:spPr>
-        <p:txBody>
-          <a:bodyPr lIns="0" rIns="0" tIns="0" bIns="0">
-            <a:normAutofit/>
-          </a:bodyPr>
-          <a:p>
-            <a:endParaRPr b="0" lang="en-US" sz="2600" spc="-1" strike="noStrike">
-              <a:latin typeface="Arial"/>
-            </a:endParaRPr>
-          </a:p>
-        </p:txBody>
-      </p:sp>
-      <p:sp>
-        <p:nvSpPr>
-          <p:cNvPr id="40" name="PlaceHolder 6"/>
-          <p:cNvSpPr>
-            <a:spLocks noGrp="1"/>
-          </p:cNvSpPr>
-          <p:nvPr>
-            <p:ph type="body"/>
-          </p:nvPr>
-        </p:nvSpPr>
-        <p:spPr>
-          <a:xfrm>
-            <a:off x="3571560" y="3085560"/>
-            <a:ext cx="2921040" cy="1568160"/>
-          </a:xfrm>
-          <a:prstGeom prst="rect">
-            <a:avLst/>
-          </a:prstGeom>
-        </p:spPr>
-        <p:txBody>
-          <a:bodyPr lIns="0" rIns="0" tIns="0" bIns="0">
-            <a:normAutofit/>
-          </a:bodyPr>
-          <a:p>
-            <a:endParaRPr b="0" lang="en-US" sz="2600" spc="-1" strike="noStrike">
-              <a:latin typeface="Arial"/>
-            </a:endParaRPr>
-          </a:p>
-        </p:txBody>
-      </p:sp>
-      <p:sp>
-        <p:nvSpPr>
-          <p:cNvPr id="41" name="PlaceHolder 7"/>
-          <p:cNvSpPr>
-            <a:spLocks noGrp="1"/>
-          </p:cNvSpPr>
-          <p:nvPr>
-            <p:ph type="body"/>
-          </p:nvPr>
-        </p:nvSpPr>
-        <p:spPr>
-          <a:xfrm>
-            <a:off x="6639120" y="3085560"/>
-            <a:ext cx="2921040" cy="1568160"/>
-          </a:xfrm>
-          <a:prstGeom prst="rect">
-            <a:avLst/>
-          </a:prstGeom>
-        </p:spPr>
-        <p:txBody>
-          <a:bodyPr lIns="0" rIns="0" tIns="0" bIns="0">
-            <a:normAutofit/>
-          </a:bodyPr>
-          <a:p>
-            <a:endParaRPr b="0" lang="en-US" sz="2600" spc="-1" strike="noStrike">
+            <a:pPr algn="ctr"/>
+            <a:endParaRPr b="0" lang="en-US" sz="4400" spc="-1" strike="noStrike">
+              <a:latin typeface="Arial"/>
+            </a:endParaRPr>
+          </a:p>
+        </p:txBody>
+      </p:sp>
+      <p:sp>
+        <p:nvSpPr>
+          <p:cNvPr id="33" name="PlaceHolder 2"/>
+          <p:cNvSpPr>
+            <a:spLocks noGrp="1"/>
+          </p:cNvSpPr>
+          <p:nvPr>
+            <p:ph type="body"/>
+          </p:nvPr>
+        </p:nvSpPr>
+        <p:spPr>
+          <a:xfrm>
+            <a:off x="504000" y="1326600"/>
+            <a:ext cx="2921040" cy="1568520"/>
+          </a:xfrm>
+          <a:prstGeom prst="rect">
+            <a:avLst/>
+          </a:prstGeom>
+        </p:spPr>
+        <p:txBody>
+          <a:bodyPr lIns="0" rIns="0" tIns="0" bIns="0">
+            <a:normAutofit/>
+          </a:bodyPr>
+          <a:p>
+            <a:endParaRPr b="0" lang="en-US" sz="3200" spc="-1" strike="noStrike">
+              <a:latin typeface="Arial"/>
+            </a:endParaRPr>
+          </a:p>
+        </p:txBody>
+      </p:sp>
+      <p:sp>
+        <p:nvSpPr>
+          <p:cNvPr id="34" name="PlaceHolder 3"/>
+          <p:cNvSpPr>
+            <a:spLocks noGrp="1"/>
+          </p:cNvSpPr>
+          <p:nvPr>
+            <p:ph type="body"/>
+          </p:nvPr>
+        </p:nvSpPr>
+        <p:spPr>
+          <a:xfrm>
+            <a:off x="3571560" y="1326600"/>
+            <a:ext cx="2921040" cy="1568520"/>
+          </a:xfrm>
+          <a:prstGeom prst="rect">
+            <a:avLst/>
+          </a:prstGeom>
+        </p:spPr>
+        <p:txBody>
+          <a:bodyPr lIns="0" rIns="0" tIns="0" bIns="0">
+            <a:normAutofit/>
+          </a:bodyPr>
+          <a:p>
+            <a:endParaRPr b="0" lang="en-US" sz="3200" spc="-1" strike="noStrike">
+              <a:latin typeface="Arial"/>
+            </a:endParaRPr>
+          </a:p>
+        </p:txBody>
+      </p:sp>
+      <p:sp>
+        <p:nvSpPr>
+          <p:cNvPr id="35" name="PlaceHolder 4"/>
+          <p:cNvSpPr>
+            <a:spLocks noGrp="1"/>
+          </p:cNvSpPr>
+          <p:nvPr>
+            <p:ph type="body"/>
+          </p:nvPr>
+        </p:nvSpPr>
+        <p:spPr>
+          <a:xfrm>
+            <a:off x="6639120" y="1326600"/>
+            <a:ext cx="2921040" cy="1568520"/>
+          </a:xfrm>
+          <a:prstGeom prst="rect">
+            <a:avLst/>
+          </a:prstGeom>
+        </p:spPr>
+        <p:txBody>
+          <a:bodyPr lIns="0" rIns="0" tIns="0" bIns="0">
+            <a:normAutofit/>
+          </a:bodyPr>
+          <a:p>
+            <a:endParaRPr b="0" lang="en-US" sz="3200" spc="-1" strike="noStrike">
+              <a:latin typeface="Arial"/>
+            </a:endParaRPr>
+          </a:p>
+        </p:txBody>
+      </p:sp>
+      <p:sp>
+        <p:nvSpPr>
+          <p:cNvPr id="36" name="PlaceHolder 5"/>
+          <p:cNvSpPr>
+            <a:spLocks noGrp="1"/>
+          </p:cNvSpPr>
+          <p:nvPr>
+            <p:ph type="body"/>
+          </p:nvPr>
+        </p:nvSpPr>
+        <p:spPr>
+          <a:xfrm>
+            <a:off x="504000" y="3044520"/>
+            <a:ext cx="2921040" cy="1568520"/>
+          </a:xfrm>
+          <a:prstGeom prst="rect">
+            <a:avLst/>
+          </a:prstGeom>
+        </p:spPr>
+        <p:txBody>
+          <a:bodyPr lIns="0" rIns="0" tIns="0" bIns="0">
+            <a:normAutofit/>
+          </a:bodyPr>
+          <a:p>
+            <a:endParaRPr b="0" lang="en-US" sz="3200" spc="-1" strike="noStrike">
+              <a:latin typeface="Arial"/>
+            </a:endParaRPr>
+          </a:p>
+        </p:txBody>
+      </p:sp>
+      <p:sp>
+        <p:nvSpPr>
+          <p:cNvPr id="37" name="PlaceHolder 6"/>
+          <p:cNvSpPr>
+            <a:spLocks noGrp="1"/>
+          </p:cNvSpPr>
+          <p:nvPr>
+            <p:ph type="body"/>
+          </p:nvPr>
+        </p:nvSpPr>
+        <p:spPr>
+          <a:xfrm>
+            <a:off x="3571560" y="3044520"/>
+            <a:ext cx="2921040" cy="1568520"/>
+          </a:xfrm>
+          <a:prstGeom prst="rect">
+            <a:avLst/>
+          </a:prstGeom>
+        </p:spPr>
+        <p:txBody>
+          <a:bodyPr lIns="0" rIns="0" tIns="0" bIns="0">
+            <a:normAutofit/>
+          </a:bodyPr>
+          <a:p>
+            <a:endParaRPr b="0" lang="en-US" sz="3200" spc="-1" strike="noStrike">
+              <a:latin typeface="Arial"/>
+            </a:endParaRPr>
+          </a:p>
+        </p:txBody>
+      </p:sp>
+      <p:sp>
+        <p:nvSpPr>
+          <p:cNvPr id="38" name="PlaceHolder 7"/>
+          <p:cNvSpPr>
+            <a:spLocks noGrp="1"/>
+          </p:cNvSpPr>
+          <p:nvPr>
+            <p:ph type="body"/>
+          </p:nvPr>
+        </p:nvSpPr>
+        <p:spPr>
+          <a:xfrm>
+            <a:off x="6639120" y="3044520"/>
+            <a:ext cx="2921040" cy="1568520"/>
+          </a:xfrm>
+          <a:prstGeom prst="rect">
+            <a:avLst/>
+          </a:prstGeom>
+        </p:spPr>
+        <p:txBody>
+          <a:bodyPr lIns="0" rIns="0" tIns="0" bIns="0">
+            <a:normAutofit/>
+          </a:bodyPr>
+          <a:p>
+            <a:endParaRPr b="0" lang="en-US" sz="3200" spc="-1" strike="noStrike">
               <a:latin typeface="Arial"/>
             </a:endParaRPr>
           </a:p>
@@ -578,7 +573,7 @@
       </p:grpSpPr>
       <p:sp>
         <p:nvSpPr>
-          <p:cNvPr id="6" name="PlaceHolder 1"/>
+          <p:cNvPr id="3" name="PlaceHolder 1"/>
           <p:cNvSpPr>
             <a:spLocks noGrp="1"/>
           </p:cNvSpPr>
@@ -588,8 +583,8 @@
         </p:nvSpPr>
         <p:spPr>
           <a:xfrm>
-            <a:off x="504000" y="216000"/>
-            <a:ext cx="7020000" cy="936000"/>
+            <a:off x="504000" y="210600"/>
+            <a:ext cx="7019640" cy="946800"/>
           </a:xfrm>
           <a:prstGeom prst="rect">
             <a:avLst/>
@@ -600,18 +595,16 @@
             <a:spAutoFit/>
           </a:bodyPr>
           <a:p>
-            <a:endParaRPr b="0" lang="en-US" sz="3570" spc="-1" strike="noStrike">
-              <a:solidFill>
-                <a:srgbClr val="ffffff"/>
-              </a:solidFill>
-              <a:latin typeface="Arial"/>
-            </a:endParaRPr>
-          </a:p>
-        </p:txBody>
-      </p:sp>
-      <p:sp>
-        <p:nvSpPr>
-          <p:cNvPr id="7" name="PlaceHolder 2"/>
+            <a:pPr algn="ctr"/>
+            <a:endParaRPr b="0" lang="en-US" sz="4400" spc="-1" strike="noStrike">
+              <a:latin typeface="Arial"/>
+            </a:endParaRPr>
+          </a:p>
+        </p:txBody>
+      </p:sp>
+      <p:sp>
+        <p:nvSpPr>
+          <p:cNvPr id="4" name="PlaceHolder 2"/>
           <p:cNvSpPr>
             <a:spLocks noGrp="1"/>
           </p:cNvSpPr>
@@ -621,8 +614,8 @@
         </p:nvSpPr>
         <p:spPr>
           <a:xfrm>
-            <a:off x="504000" y="1368000"/>
-            <a:ext cx="9072000" cy="3288240"/>
+            <a:off x="504000" y="1326600"/>
+            <a:ext cx="9072000" cy="3288600"/>
           </a:xfrm>
           <a:prstGeom prst="rect">
             <a:avLst/>
@@ -664,7 +657,7 @@
       </p:grpSpPr>
       <p:sp>
         <p:nvSpPr>
-          <p:cNvPr id="8" name="PlaceHolder 1"/>
+          <p:cNvPr id="5" name="PlaceHolder 1"/>
           <p:cNvSpPr>
             <a:spLocks noGrp="1"/>
           </p:cNvSpPr>
@@ -674,8 +667,8 @@
         </p:nvSpPr>
         <p:spPr>
           <a:xfrm>
-            <a:off x="504000" y="216000"/>
-            <a:ext cx="7020000" cy="936000"/>
+            <a:off x="504000" y="210600"/>
+            <a:ext cx="7019640" cy="946800"/>
           </a:xfrm>
           <a:prstGeom prst="rect">
             <a:avLst/>
@@ -686,40 +679,38 @@
             <a:spAutoFit/>
           </a:bodyPr>
           <a:p>
-            <a:endParaRPr b="0" lang="en-US" sz="3570" spc="-1" strike="noStrike">
-              <a:solidFill>
-                <a:srgbClr val="ffffff"/>
-              </a:solidFill>
-              <a:latin typeface="Arial"/>
-            </a:endParaRPr>
-          </a:p>
-        </p:txBody>
-      </p:sp>
-      <p:sp>
-        <p:nvSpPr>
-          <p:cNvPr id="9" name="PlaceHolder 2"/>
-          <p:cNvSpPr>
-            <a:spLocks noGrp="1"/>
-          </p:cNvSpPr>
-          <p:nvPr>
-            <p:ph type="body"/>
-          </p:nvPr>
-        </p:nvSpPr>
-        <p:spPr>
-          <a:xfrm>
-            <a:off x="504000" y="1368000"/>
-            <a:ext cx="9072000" cy="3288240"/>
-          </a:xfrm>
-          <a:prstGeom prst="rect">
-            <a:avLst/>
-          </a:prstGeom>
-        </p:spPr>
-        <p:txBody>
-          <a:bodyPr lIns="0" rIns="0" tIns="0" bIns="0">
-            <a:normAutofit/>
-          </a:bodyPr>
-          <a:p>
-            <a:endParaRPr b="0" lang="en-US" sz="2600" spc="-1" strike="noStrike">
+            <a:pPr algn="ctr"/>
+            <a:endParaRPr b="0" lang="en-US" sz="4400" spc="-1" strike="noStrike">
+              <a:latin typeface="Arial"/>
+            </a:endParaRPr>
+          </a:p>
+        </p:txBody>
+      </p:sp>
+      <p:sp>
+        <p:nvSpPr>
+          <p:cNvPr id="6" name="PlaceHolder 2"/>
+          <p:cNvSpPr>
+            <a:spLocks noGrp="1"/>
+          </p:cNvSpPr>
+          <p:nvPr>
+            <p:ph type="body"/>
+          </p:nvPr>
+        </p:nvSpPr>
+        <p:spPr>
+          <a:xfrm>
+            <a:off x="504000" y="1326600"/>
+            <a:ext cx="9072000" cy="3288600"/>
+          </a:xfrm>
+          <a:prstGeom prst="rect">
+            <a:avLst/>
+          </a:prstGeom>
+        </p:spPr>
+        <p:txBody>
+          <a:bodyPr lIns="0" rIns="0" tIns="0" bIns="0">
+            <a:normAutofit/>
+          </a:bodyPr>
+          <a:p>
+            <a:endParaRPr b="0" lang="en-US" sz="3200" spc="-1" strike="noStrike">
               <a:latin typeface="Arial"/>
             </a:endParaRPr>
           </a:p>
@@ -749,7 +740,7 @@
       </p:grpSpPr>
       <p:sp>
         <p:nvSpPr>
-          <p:cNvPr id="10" name="PlaceHolder 1"/>
+          <p:cNvPr id="7" name="PlaceHolder 1"/>
           <p:cNvSpPr>
             <a:spLocks noGrp="1"/>
           </p:cNvSpPr>
@@ -759,8 +750,8 @@
         </p:nvSpPr>
         <p:spPr>
           <a:xfrm>
-            <a:off x="504000" y="216000"/>
-            <a:ext cx="7020000" cy="936000"/>
+            <a:off x="504000" y="210600"/>
+            <a:ext cx="7019640" cy="946800"/>
           </a:xfrm>
           <a:prstGeom prst="rect">
             <a:avLst/>
@@ -771,70 +762,68 @@
             <a:spAutoFit/>
           </a:bodyPr>
           <a:p>
-            <a:endParaRPr b="0" lang="en-US" sz="3570" spc="-1" strike="noStrike">
-              <a:solidFill>
-                <a:srgbClr val="ffffff"/>
-              </a:solidFill>
-              <a:latin typeface="Arial"/>
-            </a:endParaRPr>
-          </a:p>
-        </p:txBody>
-      </p:sp>
-      <p:sp>
-        <p:nvSpPr>
-          <p:cNvPr id="11" name="PlaceHolder 2"/>
-          <p:cNvSpPr>
-            <a:spLocks noGrp="1"/>
-          </p:cNvSpPr>
-          <p:nvPr>
-            <p:ph type="body"/>
-          </p:nvPr>
-        </p:nvSpPr>
-        <p:spPr>
-          <a:xfrm>
-            <a:off x="504000" y="1368000"/>
-            <a:ext cx="4426920" cy="3288240"/>
-          </a:xfrm>
-          <a:prstGeom prst="rect">
-            <a:avLst/>
-          </a:prstGeom>
-        </p:spPr>
-        <p:txBody>
-          <a:bodyPr lIns="0" rIns="0" tIns="0" bIns="0">
-            <a:normAutofit/>
-          </a:bodyPr>
-          <a:p>
-            <a:endParaRPr b="0" lang="en-US" sz="2600" spc="-1" strike="noStrike">
-              <a:latin typeface="Arial"/>
-            </a:endParaRPr>
-          </a:p>
-        </p:txBody>
-      </p:sp>
-      <p:sp>
-        <p:nvSpPr>
-          <p:cNvPr id="12" name="PlaceHolder 3"/>
-          <p:cNvSpPr>
-            <a:spLocks noGrp="1"/>
-          </p:cNvSpPr>
-          <p:nvPr>
-            <p:ph type="body"/>
-          </p:nvPr>
-        </p:nvSpPr>
-        <p:spPr>
-          <a:xfrm>
-            <a:off x="5152680" y="1368000"/>
-            <a:ext cx="4426920" cy="3288240"/>
-          </a:xfrm>
-          <a:prstGeom prst="rect">
-            <a:avLst/>
-          </a:prstGeom>
-        </p:spPr>
-        <p:txBody>
-          <a:bodyPr lIns="0" rIns="0" tIns="0" bIns="0">
-            <a:normAutofit/>
-          </a:bodyPr>
-          <a:p>
-            <a:endParaRPr b="0" lang="en-US" sz="2600" spc="-1" strike="noStrike">
+            <a:pPr algn="ctr"/>
+            <a:endParaRPr b="0" lang="en-US" sz="4400" spc="-1" strike="noStrike">
+              <a:latin typeface="Arial"/>
+            </a:endParaRPr>
+          </a:p>
+        </p:txBody>
+      </p:sp>
+      <p:sp>
+        <p:nvSpPr>
+          <p:cNvPr id="8" name="PlaceHolder 2"/>
+          <p:cNvSpPr>
+            <a:spLocks noGrp="1"/>
+          </p:cNvSpPr>
+          <p:nvPr>
+            <p:ph type="body"/>
+          </p:nvPr>
+        </p:nvSpPr>
+        <p:spPr>
+          <a:xfrm>
+            <a:off x="504000" y="1326600"/>
+            <a:ext cx="4426920" cy="3288600"/>
+          </a:xfrm>
+          <a:prstGeom prst="rect">
+            <a:avLst/>
+          </a:prstGeom>
+        </p:spPr>
+        <p:txBody>
+          <a:bodyPr lIns="0" rIns="0" tIns="0" bIns="0">
+            <a:normAutofit/>
+          </a:bodyPr>
+          <a:p>
+            <a:endParaRPr b="0" lang="en-US" sz="3200" spc="-1" strike="noStrike">
+              <a:latin typeface="Arial"/>
+            </a:endParaRPr>
+          </a:p>
+        </p:txBody>
+      </p:sp>
+      <p:sp>
+        <p:nvSpPr>
+          <p:cNvPr id="9" name="PlaceHolder 3"/>
+          <p:cNvSpPr>
+            <a:spLocks noGrp="1"/>
+          </p:cNvSpPr>
+          <p:nvPr>
+            <p:ph type="body"/>
+          </p:nvPr>
+        </p:nvSpPr>
+        <p:spPr>
+          <a:xfrm>
+            <a:off x="5152680" y="1326600"/>
+            <a:ext cx="4426920" cy="3288600"/>
+          </a:xfrm>
+          <a:prstGeom prst="rect">
+            <a:avLst/>
+          </a:prstGeom>
+        </p:spPr>
+        <p:txBody>
+          <a:bodyPr lIns="0" rIns="0" tIns="0" bIns="0">
+            <a:normAutofit/>
+          </a:bodyPr>
+          <a:p>
+            <a:endParaRPr b="0" lang="en-US" sz="3200" spc="-1" strike="noStrike">
               <a:latin typeface="Arial"/>
             </a:endParaRPr>
           </a:p>
@@ -864,7 +853,7 @@
       </p:grpSpPr>
       <p:sp>
         <p:nvSpPr>
-          <p:cNvPr id="13" name="PlaceHolder 1"/>
+          <p:cNvPr id="10" name="PlaceHolder 1"/>
           <p:cNvSpPr>
             <a:spLocks noGrp="1"/>
           </p:cNvSpPr>
@@ -874,8 +863,8 @@
         </p:nvSpPr>
         <p:spPr>
           <a:xfrm>
-            <a:off x="504000" y="216000"/>
-            <a:ext cx="7020000" cy="936000"/>
+            <a:off x="504000" y="210600"/>
+            <a:ext cx="7019640" cy="946800"/>
           </a:xfrm>
           <a:prstGeom prst="rect">
             <a:avLst/>
@@ -886,10 +875,8 @@
             <a:spAutoFit/>
           </a:bodyPr>
           <a:p>
-            <a:endParaRPr b="0" lang="en-US" sz="3570" spc="-1" strike="noStrike">
-              <a:solidFill>
-                <a:srgbClr val="ffffff"/>
-              </a:solidFill>
+            <a:pPr algn="ctr"/>
+            <a:endParaRPr b="0" lang="en-US" sz="4400" spc="-1" strike="noStrike">
               <a:latin typeface="Arial"/>
             </a:endParaRPr>
           </a:p>
@@ -919,7 +906,7 @@
       </p:grpSpPr>
       <p:sp>
         <p:nvSpPr>
-          <p:cNvPr id="14" name="PlaceHolder 1"/>
+          <p:cNvPr id="11" name="PlaceHolder 1"/>
           <p:cNvSpPr>
             <a:spLocks noGrp="1"/>
           </p:cNvSpPr>
@@ -929,8 +916,8 @@
         </p:nvSpPr>
         <p:spPr>
           <a:xfrm>
-            <a:off x="504000" y="216000"/>
-            <a:ext cx="7020000" cy="4340160"/>
+            <a:off x="504000" y="210600"/>
+            <a:ext cx="7019640" cy="4390200"/>
           </a:xfrm>
           <a:prstGeom prst="rect">
             <a:avLst/>
@@ -972,7 +959,7 @@
       </p:grpSpPr>
       <p:sp>
         <p:nvSpPr>
-          <p:cNvPr id="15" name="PlaceHolder 1"/>
+          <p:cNvPr id="12" name="PlaceHolder 1"/>
           <p:cNvSpPr>
             <a:spLocks noGrp="1"/>
           </p:cNvSpPr>
@@ -982,8 +969,8 @@
         </p:nvSpPr>
         <p:spPr>
           <a:xfrm>
-            <a:off x="504000" y="216000"/>
-            <a:ext cx="7020000" cy="936000"/>
+            <a:off x="504000" y="210600"/>
+            <a:ext cx="7019640" cy="946800"/>
           </a:xfrm>
           <a:prstGeom prst="rect">
             <a:avLst/>
@@ -994,100 +981,98 @@
             <a:spAutoFit/>
           </a:bodyPr>
           <a:p>
-            <a:endParaRPr b="0" lang="en-US" sz="3570" spc="-1" strike="noStrike">
-              <a:solidFill>
-                <a:srgbClr val="ffffff"/>
-              </a:solidFill>
-              <a:latin typeface="Arial"/>
-            </a:endParaRPr>
-          </a:p>
-        </p:txBody>
-      </p:sp>
-      <p:sp>
-        <p:nvSpPr>
-          <p:cNvPr id="16" name="PlaceHolder 2"/>
-          <p:cNvSpPr>
-            <a:spLocks noGrp="1"/>
-          </p:cNvSpPr>
-          <p:nvPr>
-            <p:ph type="body"/>
-          </p:nvPr>
-        </p:nvSpPr>
-        <p:spPr>
-          <a:xfrm>
-            <a:off x="504000" y="1368000"/>
-            <a:ext cx="4426920" cy="1568160"/>
-          </a:xfrm>
-          <a:prstGeom prst="rect">
-            <a:avLst/>
-          </a:prstGeom>
-        </p:spPr>
-        <p:txBody>
-          <a:bodyPr lIns="0" rIns="0" tIns="0" bIns="0">
-            <a:normAutofit/>
-          </a:bodyPr>
-          <a:p>
-            <a:endParaRPr b="0" lang="en-US" sz="2600" spc="-1" strike="noStrike">
-              <a:latin typeface="Arial"/>
-            </a:endParaRPr>
-          </a:p>
-        </p:txBody>
-      </p:sp>
-      <p:sp>
-        <p:nvSpPr>
-          <p:cNvPr id="17" name="PlaceHolder 3"/>
-          <p:cNvSpPr>
-            <a:spLocks noGrp="1"/>
-          </p:cNvSpPr>
-          <p:nvPr>
-            <p:ph type="body"/>
-          </p:nvPr>
-        </p:nvSpPr>
-        <p:spPr>
-          <a:xfrm>
-            <a:off x="5152680" y="1368000"/>
-            <a:ext cx="4426920" cy="3288240"/>
-          </a:xfrm>
-          <a:prstGeom prst="rect">
-            <a:avLst/>
-          </a:prstGeom>
-        </p:spPr>
-        <p:txBody>
-          <a:bodyPr lIns="0" rIns="0" tIns="0" bIns="0">
-            <a:normAutofit/>
-          </a:bodyPr>
-          <a:p>
-            <a:endParaRPr b="0" lang="en-US" sz="2600" spc="-1" strike="noStrike">
-              <a:latin typeface="Arial"/>
-            </a:endParaRPr>
-          </a:p>
-        </p:txBody>
-      </p:sp>
-      <p:sp>
-        <p:nvSpPr>
-          <p:cNvPr id="18" name="PlaceHolder 4"/>
-          <p:cNvSpPr>
-            <a:spLocks noGrp="1"/>
-          </p:cNvSpPr>
-          <p:nvPr>
-            <p:ph type="body"/>
-          </p:nvPr>
-        </p:nvSpPr>
-        <p:spPr>
-          <a:xfrm>
-            <a:off x="504000" y="3085560"/>
-            <a:ext cx="4426920" cy="1568160"/>
-          </a:xfrm>
-          <a:prstGeom prst="rect">
-            <a:avLst/>
-          </a:prstGeom>
-        </p:spPr>
-        <p:txBody>
-          <a:bodyPr lIns="0" rIns="0" tIns="0" bIns="0">
-            <a:normAutofit/>
-          </a:bodyPr>
-          <a:p>
-            <a:endParaRPr b="0" lang="en-US" sz="2600" spc="-1" strike="noStrike">
+            <a:pPr algn="ctr"/>
+            <a:endParaRPr b="0" lang="en-US" sz="4400" spc="-1" strike="noStrike">
+              <a:latin typeface="Arial"/>
+            </a:endParaRPr>
+          </a:p>
+        </p:txBody>
+      </p:sp>
+      <p:sp>
+        <p:nvSpPr>
+          <p:cNvPr id="13" name="PlaceHolder 2"/>
+          <p:cNvSpPr>
+            <a:spLocks noGrp="1"/>
+          </p:cNvSpPr>
+          <p:nvPr>
+            <p:ph type="body"/>
+          </p:nvPr>
+        </p:nvSpPr>
+        <p:spPr>
+          <a:xfrm>
+            <a:off x="504000" y="1326600"/>
+            <a:ext cx="4426920" cy="1568520"/>
+          </a:xfrm>
+          <a:prstGeom prst="rect">
+            <a:avLst/>
+          </a:prstGeom>
+        </p:spPr>
+        <p:txBody>
+          <a:bodyPr lIns="0" rIns="0" tIns="0" bIns="0">
+            <a:normAutofit/>
+          </a:bodyPr>
+          <a:p>
+            <a:endParaRPr b="0" lang="en-US" sz="3200" spc="-1" strike="noStrike">
+              <a:latin typeface="Arial"/>
+            </a:endParaRPr>
+          </a:p>
+        </p:txBody>
+      </p:sp>
+      <p:sp>
+        <p:nvSpPr>
+          <p:cNvPr id="14" name="PlaceHolder 3"/>
+          <p:cNvSpPr>
+            <a:spLocks noGrp="1"/>
+          </p:cNvSpPr>
+          <p:nvPr>
+            <p:ph type="body"/>
+          </p:nvPr>
+        </p:nvSpPr>
+        <p:spPr>
+          <a:xfrm>
+            <a:off x="5152680" y="1326600"/>
+            <a:ext cx="4426920" cy="3288600"/>
+          </a:xfrm>
+          <a:prstGeom prst="rect">
+            <a:avLst/>
+          </a:prstGeom>
+        </p:spPr>
+        <p:txBody>
+          <a:bodyPr lIns="0" rIns="0" tIns="0" bIns="0">
+            <a:normAutofit/>
+          </a:bodyPr>
+          <a:p>
+            <a:endParaRPr b="0" lang="en-US" sz="3200" spc="-1" strike="noStrike">
+              <a:latin typeface="Arial"/>
+            </a:endParaRPr>
+          </a:p>
+        </p:txBody>
+      </p:sp>
+      <p:sp>
+        <p:nvSpPr>
+          <p:cNvPr id="15" name="PlaceHolder 4"/>
+          <p:cNvSpPr>
+            <a:spLocks noGrp="1"/>
+          </p:cNvSpPr>
+          <p:nvPr>
+            <p:ph type="body"/>
+          </p:nvPr>
+        </p:nvSpPr>
+        <p:spPr>
+          <a:xfrm>
+            <a:off x="504000" y="3044520"/>
+            <a:ext cx="4426920" cy="1568520"/>
+          </a:xfrm>
+          <a:prstGeom prst="rect">
+            <a:avLst/>
+          </a:prstGeom>
+        </p:spPr>
+        <p:txBody>
+          <a:bodyPr lIns="0" rIns="0" tIns="0" bIns="0">
+            <a:normAutofit/>
+          </a:bodyPr>
+          <a:p>
+            <a:endParaRPr b="0" lang="en-US" sz="3200" spc="-1" strike="noStrike">
               <a:latin typeface="Arial"/>
             </a:endParaRPr>
           </a:p>
@@ -1117,7 +1102,7 @@
       </p:grpSpPr>
       <p:sp>
         <p:nvSpPr>
-          <p:cNvPr id="19" name="PlaceHolder 1"/>
+          <p:cNvPr id="16" name="PlaceHolder 1"/>
           <p:cNvSpPr>
             <a:spLocks noGrp="1"/>
           </p:cNvSpPr>
@@ -1127,8 +1112,8 @@
         </p:nvSpPr>
         <p:spPr>
           <a:xfrm>
-            <a:off x="504000" y="216000"/>
-            <a:ext cx="7020000" cy="936000"/>
+            <a:off x="504000" y="210600"/>
+            <a:ext cx="7019640" cy="946800"/>
           </a:xfrm>
           <a:prstGeom prst="rect">
             <a:avLst/>
@@ -1139,100 +1124,98 @@
             <a:spAutoFit/>
           </a:bodyPr>
           <a:p>
-            <a:endParaRPr b="0" lang="en-US" sz="3570" spc="-1" strike="noStrike">
-              <a:solidFill>
-                <a:srgbClr val="ffffff"/>
-              </a:solidFill>
-              <a:latin typeface="Arial"/>
-            </a:endParaRPr>
-          </a:p>
-        </p:txBody>
-      </p:sp>
-      <p:sp>
-        <p:nvSpPr>
-          <p:cNvPr id="20" name="PlaceHolder 2"/>
-          <p:cNvSpPr>
-            <a:spLocks noGrp="1"/>
-          </p:cNvSpPr>
-          <p:nvPr>
-            <p:ph type="body"/>
-          </p:nvPr>
-        </p:nvSpPr>
-        <p:spPr>
-          <a:xfrm>
-            <a:off x="504000" y="1368000"/>
-            <a:ext cx="4426920" cy="3288240"/>
-          </a:xfrm>
-          <a:prstGeom prst="rect">
-            <a:avLst/>
-          </a:prstGeom>
-        </p:spPr>
-        <p:txBody>
-          <a:bodyPr lIns="0" rIns="0" tIns="0" bIns="0">
-            <a:normAutofit/>
-          </a:bodyPr>
-          <a:p>
-            <a:endParaRPr b="0" lang="en-US" sz="2600" spc="-1" strike="noStrike">
-              <a:latin typeface="Arial"/>
-            </a:endParaRPr>
-          </a:p>
-        </p:txBody>
-      </p:sp>
-      <p:sp>
-        <p:nvSpPr>
-          <p:cNvPr id="21" name="PlaceHolder 3"/>
-          <p:cNvSpPr>
-            <a:spLocks noGrp="1"/>
-          </p:cNvSpPr>
-          <p:nvPr>
-            <p:ph type="body"/>
-          </p:nvPr>
-        </p:nvSpPr>
-        <p:spPr>
-          <a:xfrm>
-            <a:off x="5152680" y="1368000"/>
-            <a:ext cx="4426920" cy="1568160"/>
-          </a:xfrm>
-          <a:prstGeom prst="rect">
-            <a:avLst/>
-          </a:prstGeom>
-        </p:spPr>
-        <p:txBody>
-          <a:bodyPr lIns="0" rIns="0" tIns="0" bIns="0">
-            <a:normAutofit/>
-          </a:bodyPr>
-          <a:p>
-            <a:endParaRPr b="0" lang="en-US" sz="2600" spc="-1" strike="noStrike">
-              <a:latin typeface="Arial"/>
-            </a:endParaRPr>
-          </a:p>
-        </p:txBody>
-      </p:sp>
-      <p:sp>
-        <p:nvSpPr>
-          <p:cNvPr id="22" name="PlaceHolder 4"/>
-          <p:cNvSpPr>
-            <a:spLocks noGrp="1"/>
-          </p:cNvSpPr>
-          <p:nvPr>
-            <p:ph type="body"/>
-          </p:nvPr>
-        </p:nvSpPr>
-        <p:spPr>
-          <a:xfrm>
-            <a:off x="5152680" y="3085560"/>
-            <a:ext cx="4426920" cy="1568160"/>
-          </a:xfrm>
-          <a:prstGeom prst="rect">
-            <a:avLst/>
-          </a:prstGeom>
-        </p:spPr>
-        <p:txBody>
-          <a:bodyPr lIns="0" rIns="0" tIns="0" bIns="0">
-            <a:normAutofit/>
-          </a:bodyPr>
-          <a:p>
-            <a:endParaRPr b="0" lang="en-US" sz="2600" spc="-1" strike="noStrike">
+            <a:pPr algn="ctr"/>
+            <a:endParaRPr b="0" lang="en-US" sz="4400" spc="-1" strike="noStrike">
+              <a:latin typeface="Arial"/>
+            </a:endParaRPr>
+          </a:p>
+        </p:txBody>
+      </p:sp>
+      <p:sp>
+        <p:nvSpPr>
+          <p:cNvPr id="17" name="PlaceHolder 2"/>
+          <p:cNvSpPr>
+            <a:spLocks noGrp="1"/>
+          </p:cNvSpPr>
+          <p:nvPr>
+            <p:ph type="body"/>
+          </p:nvPr>
+        </p:nvSpPr>
+        <p:spPr>
+          <a:xfrm>
+            <a:off x="504000" y="1326600"/>
+            <a:ext cx="4426920" cy="3288600"/>
+          </a:xfrm>
+          <a:prstGeom prst="rect">
+            <a:avLst/>
+          </a:prstGeom>
+        </p:spPr>
+        <p:txBody>
+          <a:bodyPr lIns="0" rIns="0" tIns="0" bIns="0">
+            <a:normAutofit/>
+          </a:bodyPr>
+          <a:p>
+            <a:endParaRPr b="0" lang="en-US" sz="3200" spc="-1" strike="noStrike">
+              <a:latin typeface="Arial"/>
+            </a:endParaRPr>
+          </a:p>
+        </p:txBody>
+      </p:sp>
+      <p:sp>
+        <p:nvSpPr>
+          <p:cNvPr id="18" name="PlaceHolder 3"/>
+          <p:cNvSpPr>
+            <a:spLocks noGrp="1"/>
+          </p:cNvSpPr>
+          <p:nvPr>
+            <p:ph type="body"/>
+          </p:nvPr>
+        </p:nvSpPr>
+        <p:spPr>
+          <a:xfrm>
+            <a:off x="5152680" y="1326600"/>
+            <a:ext cx="4426920" cy="1568520"/>
+          </a:xfrm>
+          <a:prstGeom prst="rect">
+            <a:avLst/>
+          </a:prstGeom>
+        </p:spPr>
+        <p:txBody>
+          <a:bodyPr lIns="0" rIns="0" tIns="0" bIns="0">
+            <a:normAutofit/>
+          </a:bodyPr>
+          <a:p>
+            <a:endParaRPr b="0" lang="en-US" sz="3200" spc="-1" strike="noStrike">
+              <a:latin typeface="Arial"/>
+            </a:endParaRPr>
+          </a:p>
+        </p:txBody>
+      </p:sp>
+      <p:sp>
+        <p:nvSpPr>
+          <p:cNvPr id="19" name="PlaceHolder 4"/>
+          <p:cNvSpPr>
+            <a:spLocks noGrp="1"/>
+          </p:cNvSpPr>
+          <p:nvPr>
+            <p:ph type="body"/>
+          </p:nvPr>
+        </p:nvSpPr>
+        <p:spPr>
+          <a:xfrm>
+            <a:off x="5152680" y="3044520"/>
+            <a:ext cx="4426920" cy="1568520"/>
+          </a:xfrm>
+          <a:prstGeom prst="rect">
+            <a:avLst/>
+          </a:prstGeom>
+        </p:spPr>
+        <p:txBody>
+          <a:bodyPr lIns="0" rIns="0" tIns="0" bIns="0">
+            <a:normAutofit/>
+          </a:bodyPr>
+          <a:p>
+            <a:endParaRPr b="0" lang="en-US" sz="3200" spc="-1" strike="noStrike">
               <a:latin typeface="Arial"/>
             </a:endParaRPr>
           </a:p>
@@ -1262,7 +1245,7 @@
       </p:grpSpPr>
       <p:sp>
         <p:nvSpPr>
-          <p:cNvPr id="23" name="PlaceHolder 1"/>
+          <p:cNvPr id="20" name="PlaceHolder 1"/>
           <p:cNvSpPr>
             <a:spLocks noGrp="1"/>
           </p:cNvSpPr>
@@ -1272,8 +1255,8 @@
         </p:nvSpPr>
         <p:spPr>
           <a:xfrm>
-            <a:off x="504000" y="216000"/>
-            <a:ext cx="7020000" cy="936000"/>
+            <a:off x="504000" y="210600"/>
+            <a:ext cx="7019640" cy="946800"/>
           </a:xfrm>
           <a:prstGeom prst="rect">
             <a:avLst/>
@@ -1284,100 +1267,98 @@
             <a:spAutoFit/>
           </a:bodyPr>
           <a:p>
-            <a:endParaRPr b="0" lang="en-US" sz="3570" spc="-1" strike="noStrike">
-              <a:solidFill>
-                <a:srgbClr val="ffffff"/>
-              </a:solidFill>
-              <a:latin typeface="Arial"/>
-            </a:endParaRPr>
-          </a:p>
-        </p:txBody>
-      </p:sp>
-      <p:sp>
-        <p:nvSpPr>
-          <p:cNvPr id="24" name="PlaceHolder 2"/>
-          <p:cNvSpPr>
-            <a:spLocks noGrp="1"/>
-          </p:cNvSpPr>
-          <p:nvPr>
-            <p:ph type="body"/>
-          </p:nvPr>
-        </p:nvSpPr>
-        <p:spPr>
-          <a:xfrm>
-            <a:off x="504000" y="1368000"/>
-            <a:ext cx="4426920" cy="1568160"/>
-          </a:xfrm>
-          <a:prstGeom prst="rect">
-            <a:avLst/>
-          </a:prstGeom>
-        </p:spPr>
-        <p:txBody>
-          <a:bodyPr lIns="0" rIns="0" tIns="0" bIns="0">
-            <a:normAutofit/>
-          </a:bodyPr>
-          <a:p>
-            <a:endParaRPr b="0" lang="en-US" sz="2600" spc="-1" strike="noStrike">
-              <a:latin typeface="Arial"/>
-            </a:endParaRPr>
-          </a:p>
-        </p:txBody>
-      </p:sp>
-      <p:sp>
-        <p:nvSpPr>
-          <p:cNvPr id="25" name="PlaceHolder 3"/>
-          <p:cNvSpPr>
-            <a:spLocks noGrp="1"/>
-          </p:cNvSpPr>
-          <p:nvPr>
-            <p:ph type="body"/>
-          </p:nvPr>
-        </p:nvSpPr>
-        <p:spPr>
-          <a:xfrm>
-            <a:off x="5152680" y="1368000"/>
-            <a:ext cx="4426920" cy="1568160"/>
-          </a:xfrm>
-          <a:prstGeom prst="rect">
-            <a:avLst/>
-          </a:prstGeom>
-        </p:spPr>
-        <p:txBody>
-          <a:bodyPr lIns="0" rIns="0" tIns="0" bIns="0">
-            <a:normAutofit/>
-          </a:bodyPr>
-          <a:p>
-            <a:endParaRPr b="0" lang="en-US" sz="2600" spc="-1" strike="noStrike">
-              <a:latin typeface="Arial"/>
-            </a:endParaRPr>
-          </a:p>
-        </p:txBody>
-      </p:sp>
-      <p:sp>
-        <p:nvSpPr>
-          <p:cNvPr id="26" name="PlaceHolder 4"/>
-          <p:cNvSpPr>
-            <a:spLocks noGrp="1"/>
-          </p:cNvSpPr>
-          <p:nvPr>
-            <p:ph type="body"/>
-          </p:nvPr>
-        </p:nvSpPr>
-        <p:spPr>
-          <a:xfrm>
-            <a:off x="504000" y="3085560"/>
-            <a:ext cx="9072000" cy="1568160"/>
-          </a:xfrm>
-          <a:prstGeom prst="rect">
-            <a:avLst/>
-          </a:prstGeom>
-        </p:spPr>
-        <p:txBody>
-          <a:bodyPr lIns="0" rIns="0" tIns="0" bIns="0">
-            <a:normAutofit/>
-          </a:bodyPr>
-          <a:p>
-            <a:endParaRPr b="0" lang="en-US" sz="2600" spc="-1" strike="noStrike">
+            <a:pPr algn="ctr"/>
+            <a:endParaRPr b="0" lang="en-US" sz="4400" spc="-1" strike="noStrike">
+              <a:latin typeface="Arial"/>
+            </a:endParaRPr>
+          </a:p>
+        </p:txBody>
+      </p:sp>
+      <p:sp>
+        <p:nvSpPr>
+          <p:cNvPr id="21" name="PlaceHolder 2"/>
+          <p:cNvSpPr>
+            <a:spLocks noGrp="1"/>
+          </p:cNvSpPr>
+          <p:nvPr>
+            <p:ph type="body"/>
+          </p:nvPr>
+        </p:nvSpPr>
+        <p:spPr>
+          <a:xfrm>
+            <a:off x="504000" y="1326600"/>
+            <a:ext cx="4426920" cy="1568520"/>
+          </a:xfrm>
+          <a:prstGeom prst="rect">
+            <a:avLst/>
+          </a:prstGeom>
+        </p:spPr>
+        <p:txBody>
+          <a:bodyPr lIns="0" rIns="0" tIns="0" bIns="0">
+            <a:normAutofit/>
+          </a:bodyPr>
+          <a:p>
+            <a:endParaRPr b="0" lang="en-US" sz="3200" spc="-1" strike="noStrike">
+              <a:latin typeface="Arial"/>
+            </a:endParaRPr>
+          </a:p>
+        </p:txBody>
+      </p:sp>
+      <p:sp>
+        <p:nvSpPr>
+          <p:cNvPr id="22" name="PlaceHolder 3"/>
+          <p:cNvSpPr>
+            <a:spLocks noGrp="1"/>
+          </p:cNvSpPr>
+          <p:nvPr>
+            <p:ph type="body"/>
+          </p:nvPr>
+        </p:nvSpPr>
+        <p:spPr>
+          <a:xfrm>
+            <a:off x="5152680" y="1326600"/>
+            <a:ext cx="4426920" cy="1568520"/>
+          </a:xfrm>
+          <a:prstGeom prst="rect">
+            <a:avLst/>
+          </a:prstGeom>
+        </p:spPr>
+        <p:txBody>
+          <a:bodyPr lIns="0" rIns="0" tIns="0" bIns="0">
+            <a:normAutofit/>
+          </a:bodyPr>
+          <a:p>
+            <a:endParaRPr b="0" lang="en-US" sz="3200" spc="-1" strike="noStrike">
+              <a:latin typeface="Arial"/>
+            </a:endParaRPr>
+          </a:p>
+        </p:txBody>
+      </p:sp>
+      <p:sp>
+        <p:nvSpPr>
+          <p:cNvPr id="23" name="PlaceHolder 4"/>
+          <p:cNvSpPr>
+            <a:spLocks noGrp="1"/>
+          </p:cNvSpPr>
+          <p:nvPr>
+            <p:ph type="body"/>
+          </p:nvPr>
+        </p:nvSpPr>
+        <p:spPr>
+          <a:xfrm>
+            <a:off x="504000" y="3044520"/>
+            <a:ext cx="9072000" cy="1568520"/>
+          </a:xfrm>
+          <a:prstGeom prst="rect">
+            <a:avLst/>
+          </a:prstGeom>
+        </p:spPr>
+        <p:txBody>
+          <a:bodyPr lIns="0" rIns="0" tIns="0" bIns="0">
+            <a:normAutofit/>
+          </a:bodyPr>
+          <a:p>
+            <a:endParaRPr b="0" lang="en-US" sz="3200" spc="-1" strike="noStrike">
               <a:latin typeface="Arial"/>
             </a:endParaRPr>
           </a:p>
@@ -1418,7 +1399,7 @@
         <p:spPr>
           <a:xfrm>
             <a:off x="-58320" y="81000"/>
-            <a:ext cx="7794360" cy="1205640"/>
+            <a:ext cx="7794000" cy="1205280"/>
           </a:xfrm>
           <a:prstGeom prst="rect">
             <a:avLst/>
@@ -1440,8 +1421,8 @@
         </p:nvSpPr>
         <p:spPr>
           <a:xfrm>
-            <a:off x="504000" y="216000"/>
-            <a:ext cx="7020000" cy="936000"/>
+            <a:off x="504000" y="210600"/>
+            <a:ext cx="7019640" cy="946800"/>
           </a:xfrm>
           <a:prstGeom prst="rect">
             <a:avLst/>
@@ -1449,22 +1430,16 @@
         </p:spPr>
         <p:txBody>
           <a:bodyPr lIns="0" rIns="0" tIns="0" bIns="0" anchor="ctr">
-            <a:noAutofit/>
+            <a:spAutoFit/>
           </a:bodyPr>
           <a:p>
             <a:r>
-              <a:rPr b="0" lang="en-US" sz="3570" spc="-1" strike="noStrike">
-                <a:solidFill>
-                  <a:srgbClr val="ffffff"/>
-                </a:solidFill>
+              <a:rPr b="0" lang="en-US" sz="1800" spc="-1" strike="noStrike">
                 <a:latin typeface="Arial"/>
               </a:rPr>
               <a:t>Click to edit the title text format</a:t>
             </a:r>
-            <a:endParaRPr b="0" lang="en-US" sz="3570" spc="-1" strike="noStrike">
-              <a:solidFill>
-                <a:srgbClr val="ffffff"/>
-              </a:solidFill>
+            <a:endParaRPr b="0" lang="en-US" sz="1800" spc="-1" strike="noStrike">
               <a:latin typeface="Arial"/>
             </a:endParaRPr>
           </a:p>
@@ -1482,8 +1457,8 @@
         </p:nvSpPr>
         <p:spPr>
           <a:xfrm>
-            <a:off x="504000" y="1368000"/>
-            <a:ext cx="9072000" cy="3288240"/>
+            <a:off x="504000" y="1326600"/>
+            <a:ext cx="9072000" cy="3288600"/>
           </a:xfrm>
           <a:prstGeom prst="rect">
             <a:avLst/>
@@ -1495,9 +1470,9 @@
           </a:bodyPr>
           <a:p>
             <a:pPr marL="432000" indent="-324000">
-              <a:spcAft>
-                <a:spcPts val="1148"/>
-              </a:spcAft>
+              <a:spcBef>
+                <a:spcPts val="1417"/>
+              </a:spcBef>
               <a:buClr>
                 <a:srgbClr val="000000"/>
               </a:buClr>
@@ -1506,20 +1481,20 @@
               <a:buChar char=""/>
             </a:pPr>
             <a:r>
-              <a:rPr b="0" lang="en-US" sz="2600" spc="-1" strike="noStrike">
+              <a:rPr b="0" lang="en-US" sz="3200" spc="-1" strike="noStrike">
                 <a:latin typeface="Arial"/>
               </a:rPr>
               <a:t>Click to edit the outline text format</a:t>
             </a:r>
-            <a:endParaRPr b="0" lang="en-US" sz="2600" spc="-1" strike="noStrike">
+            <a:endParaRPr b="0" lang="en-US" sz="3200" spc="-1" strike="noStrike">
               <a:latin typeface="Arial"/>
             </a:endParaRPr>
           </a:p>
           <a:p>
             <a:pPr lvl="1" marL="864000" indent="-324000">
-              <a:spcAft>
-                <a:spcPts val="918"/>
-              </a:spcAft>
+              <a:spcBef>
+                <a:spcPts val="1134"/>
+              </a:spcBef>
               <a:buClr>
                 <a:srgbClr val="000000"/>
               </a:buClr>
@@ -1528,20 +1503,20 @@
               <a:buChar char=""/>
             </a:pPr>
             <a:r>
-              <a:rPr b="0" lang="en-US" sz="2280" spc="-1" strike="noStrike">
+              <a:rPr b="0" lang="en-US" sz="2800" spc="-1" strike="noStrike">
                 <a:latin typeface="Arial"/>
               </a:rPr>
               <a:t>Second Outline Level</a:t>
             </a:r>
-            <a:endParaRPr b="0" lang="en-US" sz="2280" spc="-1" strike="noStrike">
+            <a:endParaRPr b="0" lang="en-US" sz="2800" spc="-1" strike="noStrike">
               <a:latin typeface="Arial"/>
             </a:endParaRPr>
           </a:p>
           <a:p>
             <a:pPr lvl="2" marL="1296000" indent="-288000">
-              <a:spcAft>
-                <a:spcPts val="689"/>
-              </a:spcAft>
+              <a:spcBef>
+                <a:spcPts val="850"/>
+              </a:spcBef>
               <a:buClr>
                 <a:srgbClr val="000000"/>
               </a:buClr>
@@ -1550,20 +1525,20 @@
               <a:buChar char=""/>
             </a:pPr>
             <a:r>
-              <a:rPr b="0" lang="en-US" sz="1950" spc="-1" strike="noStrike">
+              <a:rPr b="0" lang="en-US" sz="2400" spc="-1" strike="noStrike">
                 <a:latin typeface="Arial"/>
               </a:rPr>
               <a:t>Third Outline Level</a:t>
             </a:r>
-            <a:endParaRPr b="0" lang="en-US" sz="1950" spc="-1" strike="noStrike">
+            <a:endParaRPr b="0" lang="en-US" sz="2400" spc="-1" strike="noStrike">
               <a:latin typeface="Arial"/>
             </a:endParaRPr>
           </a:p>
           <a:p>
             <a:pPr lvl="3" marL="1728000" indent="-216000">
-              <a:spcAft>
-                <a:spcPts val="459"/>
-              </a:spcAft>
+              <a:spcBef>
+                <a:spcPts val="567"/>
+              </a:spcBef>
               <a:buClr>
                 <a:srgbClr val="000000"/>
               </a:buClr>
@@ -1572,20 +1547,20 @@
               <a:buChar char=""/>
             </a:pPr>
             <a:r>
-              <a:rPr b="0" lang="en-US" sz="1629" spc="-1" strike="noStrike">
+              <a:rPr b="0" lang="en-US" sz="2000" spc="-1" strike="noStrike">
                 <a:latin typeface="Arial"/>
               </a:rPr>
               <a:t>Fourth Outline Level</a:t>
             </a:r>
-            <a:endParaRPr b="0" lang="en-US" sz="1629" spc="-1" strike="noStrike">
+            <a:endParaRPr b="0" lang="en-US" sz="2000" spc="-1" strike="noStrike">
               <a:latin typeface="Arial"/>
             </a:endParaRPr>
           </a:p>
           <a:p>
             <a:pPr lvl="4" marL="2160000" indent="-216000">
-              <a:spcAft>
-                <a:spcPts val="230"/>
-              </a:spcAft>
+              <a:spcBef>
+                <a:spcPts val="283"/>
+              </a:spcBef>
               <a:buClr>
                 <a:srgbClr val="000000"/>
               </a:buClr>
@@ -1594,20 +1569,20 @@
               <a:buChar char=""/>
             </a:pPr>
             <a:r>
-              <a:rPr b="0" lang="en-US" sz="1629" spc="-1" strike="noStrike">
+              <a:rPr b="0" lang="en-US" sz="2000" spc="-1" strike="noStrike">
                 <a:latin typeface="Arial"/>
               </a:rPr>
               <a:t>Fifth Outline Level</a:t>
             </a:r>
-            <a:endParaRPr b="0" lang="en-US" sz="1629" spc="-1" strike="noStrike">
+            <a:endParaRPr b="0" lang="en-US" sz="2000" spc="-1" strike="noStrike">
               <a:latin typeface="Arial"/>
             </a:endParaRPr>
           </a:p>
           <a:p>
             <a:pPr lvl="5" marL="2592000" indent="-216000">
-              <a:spcAft>
-                <a:spcPts val="230"/>
-              </a:spcAft>
+              <a:spcBef>
+                <a:spcPts val="283"/>
+              </a:spcBef>
               <a:buClr>
                 <a:srgbClr val="000000"/>
               </a:buClr>
@@ -1616,20 +1591,20 @@
               <a:buChar char=""/>
             </a:pPr>
             <a:r>
-              <a:rPr b="0" lang="en-US" sz="1629" spc="-1" strike="noStrike">
+              <a:rPr b="0" lang="en-US" sz="2000" spc="-1" strike="noStrike">
                 <a:latin typeface="Arial"/>
               </a:rPr>
               <a:t>Sixth Outline Level</a:t>
             </a:r>
-            <a:endParaRPr b="0" lang="en-US" sz="1629" spc="-1" strike="noStrike">
+            <a:endParaRPr b="0" lang="en-US" sz="2000" spc="-1" strike="noStrike">
               <a:latin typeface="Arial"/>
             </a:endParaRPr>
           </a:p>
           <a:p>
             <a:pPr lvl="6" marL="3024000" indent="-216000">
-              <a:spcAft>
-                <a:spcPts val="230"/>
-              </a:spcAft>
+              <a:spcBef>
+                <a:spcPts val="283"/>
+              </a:spcBef>
               <a:buClr>
                 <a:srgbClr val="000000"/>
               </a:buClr>
@@ -1638,122 +1613,12 @@
               <a:buChar char=""/>
             </a:pPr>
             <a:r>
-              <a:rPr b="0" lang="en-US" sz="1629" spc="-1" strike="noStrike">
+              <a:rPr b="0" lang="en-US" sz="2000" spc="-1" strike="noStrike">
                 <a:latin typeface="Arial"/>
               </a:rPr>
               <a:t>Seventh Outline Level</a:t>
             </a:r>
-            <a:endParaRPr b="0" lang="en-US" sz="1629" spc="-1" strike="noStrike">
-              <a:latin typeface="Arial"/>
-            </a:endParaRPr>
-          </a:p>
-        </p:txBody>
-      </p:sp>
-      <p:sp>
-        <p:nvSpPr>
-          <p:cNvPr id="3" name="PlaceHolder 3"/>
-          <p:cNvSpPr>
-            <a:spLocks noGrp="1"/>
-          </p:cNvSpPr>
-          <p:nvPr>
-            <p:ph type="dt"/>
-          </p:nvPr>
-        </p:nvSpPr>
-        <p:spPr>
-          <a:xfrm>
-            <a:off x="504000" y="5164920"/>
-            <a:ext cx="2348280" cy="390600"/>
-          </a:xfrm>
-          <a:prstGeom prst="rect">
-            <a:avLst/>
-          </a:prstGeom>
-        </p:spPr>
-        <p:txBody>
-          <a:bodyPr lIns="0" rIns="0" tIns="0" bIns="0">
-            <a:noAutofit/>
-          </a:bodyPr>
-          <a:p>
-            <a:r>
-              <a:rPr b="0" lang="en-US" sz="1400" spc="-1" strike="noStrike">
-                <a:latin typeface="Arial"/>
-              </a:rPr>
-              <a:t>&lt;date/time&gt;</a:t>
-            </a:r>
-            <a:endParaRPr b="0" lang="en-US" sz="1400" spc="-1" strike="noStrike">
-              <a:latin typeface="Arial"/>
-            </a:endParaRPr>
-          </a:p>
-        </p:txBody>
-      </p:sp>
-      <p:sp>
-        <p:nvSpPr>
-          <p:cNvPr id="4" name="PlaceHolder 4"/>
-          <p:cNvSpPr>
-            <a:spLocks noGrp="1"/>
-          </p:cNvSpPr>
-          <p:nvPr>
-            <p:ph type="ftr"/>
-          </p:nvPr>
-        </p:nvSpPr>
-        <p:spPr>
-          <a:xfrm>
-            <a:off x="3447000" y="5164920"/>
-            <a:ext cx="3195000" cy="390600"/>
-          </a:xfrm>
-          <a:prstGeom prst="rect">
-            <a:avLst/>
-          </a:prstGeom>
-        </p:spPr>
-        <p:txBody>
-          <a:bodyPr lIns="0" rIns="0" tIns="0" bIns="0">
-            <a:noAutofit/>
-          </a:bodyPr>
-          <a:p>
-            <a:pPr algn="ctr"/>
-            <a:r>
-              <a:rPr b="0" lang="en-US" sz="1400" spc="-1" strike="noStrike">
-                <a:latin typeface="Arial"/>
-              </a:rPr>
-              <a:t>&lt;footer&gt;</a:t>
-            </a:r>
-            <a:endParaRPr b="0" lang="en-US" sz="1400" spc="-1" strike="noStrike">
-              <a:latin typeface="Arial"/>
-            </a:endParaRPr>
-          </a:p>
-        </p:txBody>
-      </p:sp>
-      <p:sp>
-        <p:nvSpPr>
-          <p:cNvPr id="5" name="PlaceHolder 5"/>
-          <p:cNvSpPr>
-            <a:spLocks noGrp="1"/>
-          </p:cNvSpPr>
-          <p:nvPr>
-            <p:ph type="sldNum"/>
-          </p:nvPr>
-        </p:nvSpPr>
-        <p:spPr>
-          <a:xfrm>
-            <a:off x="7227000" y="5164920"/>
-            <a:ext cx="2348280" cy="390600"/>
-          </a:xfrm>
-          <a:prstGeom prst="rect">
-            <a:avLst/>
-          </a:prstGeom>
-        </p:spPr>
-        <p:txBody>
-          <a:bodyPr lIns="0" rIns="0" tIns="0" bIns="0">
-            <a:noAutofit/>
-          </a:bodyPr>
-          <a:p>
-            <a:pPr algn="r"/>
-            <a:fld id="{239C499B-F56E-40C6-B27D-CFC48C75349E}" type="slidenum">
-              <a:rPr b="0" lang="en-US" sz="1400" spc="-1" strike="noStrike">
-                <a:latin typeface="Arial"/>
-              </a:rPr>
-              <a:t>&lt;number&gt;</a:t>
-            </a:fld>
-            <a:endParaRPr b="0" lang="en-US" sz="1400" spc="-1" strike="noStrike">
+            <a:endParaRPr b="0" lang="en-US" sz="2000" spc="-1" strike="noStrike">
               <a:latin typeface="Arial"/>
             </a:endParaRPr>
           </a:p>
@@ -1798,14 +1663,14 @@
       </p:grpSpPr>
       <p:sp>
         <p:nvSpPr>
-          <p:cNvPr id="42" name="TextShape 1"/>
-          <p:cNvSpPr txBox="1"/>
+          <p:cNvPr id="39" name="CustomShape 1"/>
+          <p:cNvSpPr/>
           <p:nvPr/>
         </p:nvSpPr>
         <p:spPr>
           <a:xfrm>
-            <a:off x="504000" y="216000"/>
-            <a:ext cx="7020000" cy="936000"/>
+            <a:off x="504000" y="411480"/>
+            <a:ext cx="7019640" cy="544320"/>
           </a:xfrm>
           <a:prstGeom prst="rect">
             <a:avLst/>
@@ -1815,11 +1680,22 @@
             <a:noFill/>
           </a:ln>
         </p:spPr>
+        <p:style>
+          <a:lnRef idx="0"/>
+          <a:fillRef idx="0"/>
+          <a:effectRef idx="0"/>
+          <a:fontRef idx="minor"/>
+        </p:style>
         <p:txBody>
           <a:bodyPr lIns="0" rIns="0" tIns="0" bIns="0" anchor="ctr">
             <a:spAutoFit/>
           </a:bodyPr>
           <a:p>
+            <a:pPr>
+              <a:lnSpc>
+                <a:spcPct val="100000"/>
+              </a:lnSpc>
+            </a:pPr>
             <a:r>
               <a:rPr b="0" lang="en-US" sz="3570" spc="-1" strike="noStrike">
                 <a:solidFill>
@@ -1831,24 +1707,21 @@
               <a:t>Fastai Lesson 10b review</a:t>
             </a:r>
             <a:endParaRPr b="0" lang="en-US" sz="3570" spc="-1" strike="noStrike">
-              <a:solidFill>
-                <a:srgbClr val="ffffff"/>
-              </a:solidFill>
-              <a:latin typeface="Arial"/>
-            </a:endParaRPr>
-          </a:p>
-        </p:txBody>
-      </p:sp>
-      <p:sp>
-        <p:nvSpPr>
-          <p:cNvPr id="43" name="TextShape 2"/>
-          <p:cNvSpPr txBox="1"/>
+              <a:latin typeface="Arial"/>
+            </a:endParaRPr>
+          </a:p>
+        </p:txBody>
+      </p:sp>
+      <p:sp>
+        <p:nvSpPr>
+          <p:cNvPr id="40" name="CustomShape 2"/>
+          <p:cNvSpPr/>
           <p:nvPr/>
         </p:nvSpPr>
         <p:spPr>
           <a:xfrm>
-            <a:off x="504000" y="1368000"/>
-            <a:ext cx="9072000" cy="3288240"/>
+            <a:off x="504000" y="2401560"/>
+            <a:ext cx="9071640" cy="1220400"/>
           </a:xfrm>
           <a:prstGeom prst="rect">
             <a:avLst/>
@@ -1858,6 +1731,12 @@
             <a:noFill/>
           </a:ln>
         </p:spPr>
+        <p:style>
+          <a:lnRef idx="0"/>
+          <a:fillRef idx="0"/>
+          <a:effectRef idx="0"/>
+          <a:fontRef idx="minor"/>
+        </p:style>
         <p:txBody>
           <a:bodyPr lIns="0" rIns="0" tIns="0" bIns="0" anchor="ctr">
             <a:spAutoFit/>
@@ -1933,7 +1812,11 @@
             </a:endParaRPr>
           </a:p>
           <a:p>
-            <a:pPr algn="ctr"/>
+            <a:pPr algn="ctr">
+              <a:lnSpc>
+                <a:spcPct val="100000"/>
+              </a:lnSpc>
+            </a:pPr>
             <a:r>
               <a:rPr b="0" lang="en-US" sz="2000" spc="-1" strike="noStrike">
                 <a:solidFill>
@@ -1945,6 +1828,230 @@
               <a:t>Saturday, 8/24/2019 </a:t>
             </a:r>
             <a:endParaRPr b="0" lang="en-US" sz="2000" spc="-1" strike="noStrike">
+              <a:latin typeface="Arial"/>
+            </a:endParaRPr>
+          </a:p>
+        </p:txBody>
+      </p:sp>
+    </p:spTree>
+  </p:cSld>
+  <mc:AlternateContent>
+    <mc:Choice Requires="p14">
+      <p:transition spd="slow" p14:dur="2000"/>
+    </mc:Choice>
+    <mc:Fallback>
+      <p:transition spd="slow"/>
+    </mc:Fallback>
+  </mc:AlternateContent>
+</p:sld>
+</file>
+
+<file path=ppt/slides/slide2.xml><?xml version="1.0" encoding="utf-8"?>
+<p:sld xmlns:a="http://schemas.openxmlformats.org/drawingml/2006/main" xmlns:p="http://schemas.openxmlformats.org/presentationml/2006/main" xmlns:r="http://schemas.openxmlformats.org/officeDocument/2006/relationships" xmlns:p14="http://schemas.microsoft.com/office/powerpoint/2010/main" xmlns:p15="http://schemas.microsoft.com/office/powerpoint/2012/main" xmlns:mc="http://schemas.openxmlformats.org/markup-compatibility/2006">
+  <p:cSld>
+    <p:spTree>
+      <p:nvGrpSpPr>
+        <p:cNvPr id="1" name=""/>
+        <p:cNvGrpSpPr/>
+        <p:nvPr/>
+      </p:nvGrpSpPr>
+      <p:grpSpPr>
+        <a:xfrm>
+          <a:off x="0" y="0"/>
+          <a:ext cx="0" cy="0"/>
+          <a:chOff x="0" y="0"/>
+          <a:chExt cx="0" cy="0"/>
+        </a:xfrm>
+      </p:grpSpPr>
+      <p:sp>
+        <p:nvSpPr>
+          <p:cNvPr id="41" name="TextShape 1"/>
+          <p:cNvSpPr txBox="1"/>
+          <p:nvPr/>
+        </p:nvSpPr>
+        <p:spPr>
+          <a:xfrm>
+            <a:off x="504000" y="210600"/>
+            <a:ext cx="7019640" cy="946800"/>
+          </a:xfrm>
+          <a:prstGeom prst="rect">
+            <a:avLst/>
+          </a:prstGeom>
+          <a:noFill/>
+          <a:ln>
+            <a:noFill/>
+          </a:ln>
+        </p:spPr>
+        <p:txBody>
+          <a:bodyPr lIns="0" rIns="0" tIns="0" bIns="0" anchor="ctr">
+            <a:spAutoFit/>
+          </a:bodyPr>
+          <a:p>
+            <a:pPr algn="ctr"/>
+            <a:r>
+              <a:rPr b="0" lang="en-US" sz="4400" spc="-1" strike="noStrike">
+                <a:latin typeface="Arial"/>
+              </a:rPr>
+              <a:t>Overview</a:t>
+            </a:r>
+            <a:endParaRPr b="0" lang="en-US" sz="4400" spc="-1" strike="noStrike">
+              <a:latin typeface="Arial"/>
+            </a:endParaRPr>
+          </a:p>
+        </p:txBody>
+      </p:sp>
+      <p:sp>
+        <p:nvSpPr>
+          <p:cNvPr id="42" name="TextShape 2"/>
+          <p:cNvSpPr txBox="1"/>
+          <p:nvPr/>
+        </p:nvSpPr>
+        <p:spPr>
+          <a:xfrm>
+            <a:off x="504000" y="1326600"/>
+            <a:ext cx="9072000" cy="3288600"/>
+          </a:xfrm>
+          <a:prstGeom prst="rect">
+            <a:avLst/>
+          </a:prstGeom>
+          <a:noFill/>
+          <a:ln>
+            <a:noFill/>
+          </a:ln>
+        </p:spPr>
+        <p:txBody>
+          <a:bodyPr lIns="0" rIns="0" tIns="0" bIns="0">
+            <a:normAutofit fontScale="85000"/>
+          </a:bodyPr>
+          <a:p>
+            <a:pPr marL="432000" indent="-324000">
+              <a:spcBef>
+                <a:spcPts val="1417"/>
+              </a:spcBef>
+              <a:buClr>
+                <a:srgbClr val="000000"/>
+              </a:buClr>
+              <a:buSzPct val="45000"/>
+              <a:buFont typeface="Wingdings" charset="2"/>
+              <a:buChar char=""/>
+            </a:pPr>
+            <a:r>
+              <a:rPr b="0" lang="en-US" sz="3200" spc="-1" strike="noStrike">
+                <a:latin typeface="Arial"/>
+              </a:rPr>
+              <a:t>Notebooks</a:t>
+            </a:r>
+            <a:endParaRPr b="0" lang="en-US" sz="3200" spc="-1" strike="noStrike">
+              <a:latin typeface="Arial"/>
+            </a:endParaRPr>
+          </a:p>
+          <a:p>
+            <a:pPr lvl="1" marL="864000" indent="-324000">
+              <a:spcBef>
+                <a:spcPts val="1134"/>
+              </a:spcBef>
+              <a:buClr>
+                <a:srgbClr val="000000"/>
+              </a:buClr>
+              <a:buSzPct val="75000"/>
+              <a:buFont typeface="Symbol" charset="2"/>
+              <a:buChar char=""/>
+            </a:pPr>
+            <a:r>
+              <a:rPr b="0" lang="en-US" sz="2800" spc="-1" strike="noStrike">
+                <a:latin typeface="Arial"/>
+              </a:rPr>
+              <a:t>python_mysteries</a:t>
+            </a:r>
+            <a:endParaRPr b="0" lang="en-US" sz="2800" spc="-1" strike="noStrike">
+              <a:latin typeface="Arial"/>
+            </a:endParaRPr>
+          </a:p>
+          <a:p>
+            <a:pPr lvl="1" marL="864000" indent="-324000">
+              <a:spcBef>
+                <a:spcPts val="1134"/>
+              </a:spcBef>
+              <a:buClr>
+                <a:srgbClr val="000000"/>
+              </a:buClr>
+              <a:buSzPct val="75000"/>
+              <a:buFont typeface="Symbol" charset="2"/>
+              <a:buChar char=""/>
+            </a:pPr>
+            <a:r>
+              <a:rPr b="0" lang="en-US" sz="2800" spc="-1" strike="noStrike">
+                <a:latin typeface="Arial"/>
+              </a:rPr>
+              <a:t>decorators_and_the_debugger</a:t>
+            </a:r>
+            <a:endParaRPr b="0" lang="en-US" sz="2800" spc="-1" strike="noStrike">
+              <a:latin typeface="Arial"/>
+            </a:endParaRPr>
+          </a:p>
+          <a:p>
+            <a:pPr lvl="1" marL="864000" indent="-324000">
+              <a:spcBef>
+                <a:spcPts val="1134"/>
+              </a:spcBef>
+              <a:buClr>
+                <a:srgbClr val="000000"/>
+              </a:buClr>
+              <a:buSzPct val="75000"/>
+              <a:buFont typeface="Symbol" charset="2"/>
+              <a:buChar char=""/>
+            </a:pPr>
+            <a:r>
+              <a:rPr b="0" lang="en-US" sz="2800" spc="-1" strike="noStrike">
+                <a:latin typeface="Arial"/>
+              </a:rPr>
+              <a:t>05a_foundations</a:t>
+            </a:r>
+            <a:endParaRPr b="0" lang="en-US" sz="2800" spc="-1" strike="noStrike">
+              <a:latin typeface="Arial"/>
+            </a:endParaRPr>
+          </a:p>
+          <a:p>
+            <a:pPr lvl="1" marL="864000" indent="-324000">
+              <a:spcBef>
+                <a:spcPts val="1134"/>
+              </a:spcBef>
+              <a:buClr>
+                <a:srgbClr val="000000"/>
+              </a:buClr>
+              <a:buSzPct val="75000"/>
+              <a:buFont typeface="Symbol" charset="2"/>
+              <a:buChar char=""/>
+            </a:pPr>
+            <a:r>
+              <a:rPr b="0" lang="en-US" sz="2800" spc="-1" strike="noStrike">
+                <a:latin typeface="Arial"/>
+              </a:rPr>
+              <a:t>05b_early_stopping</a:t>
+            </a:r>
+            <a:endParaRPr b="0" lang="en-US" sz="2800" spc="-1" strike="noStrike">
+              <a:latin typeface="Arial"/>
+            </a:endParaRPr>
+          </a:p>
+          <a:p>
+            <a:pPr lvl="1" marL="864000" indent="-324000">
+              <a:spcBef>
+                <a:spcPts val="1134"/>
+              </a:spcBef>
+              <a:buClr>
+                <a:srgbClr val="000000"/>
+              </a:buClr>
+              <a:buSzPct val="75000"/>
+              <a:buFont typeface="Symbol" charset="2"/>
+              <a:buChar char=""/>
+            </a:pPr>
+            <a:r>
+              <a:rPr b="0" lang="en-US" sz="2800" spc="-1" strike="noStrike">
+                <a:latin typeface="Arial"/>
+              </a:rPr>
+              <a:t>06_cuda_cnn_hooks</a:t>
+            </a:r>
+            <a:endParaRPr b="0" lang="en-US" sz="2800" spc="-1" strike="noStrike">
               <a:latin typeface="Arial"/>
             </a:endParaRPr>
           </a:p>
